--- a/Slides/4. Datatypes/ARRAYLIST.pptx
+++ b/Slides/4. Datatypes/ARRAYLIST.pptx
@@ -5,7 +5,7 @@
     <p:sldMasterId id="2147483648" r:id="rId1"/>
   </p:sldMasterIdLst>
   <p:notesMasterIdLst>
-    <p:notesMasterId r:id="rId11"/>
+    <p:notesMasterId r:id="rId18"/>
   </p:notesMasterIdLst>
   <p:sldIdLst>
     <p:sldId id="257" r:id="rId2"/>
@@ -17,6 +17,13 @@
     <p:sldId id="357" r:id="rId8"/>
     <p:sldId id="358" r:id="rId9"/>
     <p:sldId id="359" r:id="rId10"/>
+    <p:sldId id="360" r:id="rId11"/>
+    <p:sldId id="361" r:id="rId12"/>
+    <p:sldId id="362" r:id="rId13"/>
+    <p:sldId id="363" r:id="rId14"/>
+    <p:sldId id="364" r:id="rId15"/>
+    <p:sldId id="365" r:id="rId16"/>
+    <p:sldId id="366" r:id="rId17"/>
   </p:sldIdLst>
   <p:sldSz cx="12192000" cy="6858000"/>
   <p:notesSz cx="6858000" cy="9144000"/>
@@ -115,6 +122,11 @@
       </a:defRPr>
     </a:lvl9pPr>
   </p:defaultTextStyle>
+  <p:extLst>
+    <p:ext uri="{EFAFB233-063F-42B5-8137-9DF3F51BA10A}">
+      <p15:sldGuideLst xmlns:p15="http://schemas.microsoft.com/office/powerpoint/2012/main"/>
+    </p:ext>
+  </p:extLst>
 </p:presentation>
 </file>
 
@@ -200,7 +212,7 @@
           <a:p>
             <a:fld id="{7DB8D4BF-0FC1-46A4-826C-A3AE39320915}" type="datetimeFigureOut">
               <a:rPr lang="en-US" smtClean="0"/>
-              <a:t>6/19/2023</a:t>
+              <a:t>6/21/2023</a:t>
             </a:fld>
             <a:endParaRPr lang="en-US"/>
           </a:p>
@@ -718,7 +730,7 @@
           <a:p>
             <a:fld id="{FF835652-C135-4E2C-BCAE-96CF139E5011}" type="datetimeFigureOut">
               <a:rPr lang="en-US" smtClean="0"/>
-              <a:t>6/19/2023</a:t>
+              <a:t>6/21/2023</a:t>
             </a:fld>
             <a:endParaRPr lang="en-US"/>
           </a:p>
@@ -916,7 +928,7 @@
           <a:p>
             <a:fld id="{FF835652-C135-4E2C-BCAE-96CF139E5011}" type="datetimeFigureOut">
               <a:rPr lang="en-US" smtClean="0"/>
-              <a:t>6/19/2023</a:t>
+              <a:t>6/21/2023</a:t>
             </a:fld>
             <a:endParaRPr lang="en-US"/>
           </a:p>
@@ -1124,7 +1136,7 @@
           <a:p>
             <a:fld id="{FF835652-C135-4E2C-BCAE-96CF139E5011}" type="datetimeFigureOut">
               <a:rPr lang="en-US" smtClean="0"/>
-              <a:t>6/19/2023</a:t>
+              <a:t>6/21/2023</a:t>
             </a:fld>
             <a:endParaRPr lang="en-US"/>
           </a:p>
@@ -1991,7 +2003,7 @@
           <a:p>
             <a:fld id="{FF835652-C135-4E2C-BCAE-96CF139E5011}" type="datetimeFigureOut">
               <a:rPr lang="en-US" smtClean="0"/>
-              <a:t>6/19/2023</a:t>
+              <a:t>6/21/2023</a:t>
             </a:fld>
             <a:endParaRPr lang="en-US"/>
           </a:p>
@@ -2266,7 +2278,7 @@
           <a:p>
             <a:fld id="{FF835652-C135-4E2C-BCAE-96CF139E5011}" type="datetimeFigureOut">
               <a:rPr lang="en-US" smtClean="0"/>
-              <a:t>6/19/2023</a:t>
+              <a:t>6/21/2023</a:t>
             </a:fld>
             <a:endParaRPr lang="en-US"/>
           </a:p>
@@ -2531,7 +2543,7 @@
           <a:p>
             <a:fld id="{FF835652-C135-4E2C-BCAE-96CF139E5011}" type="datetimeFigureOut">
               <a:rPr lang="en-US" smtClean="0"/>
-              <a:t>6/19/2023</a:t>
+              <a:t>6/21/2023</a:t>
             </a:fld>
             <a:endParaRPr lang="en-US"/>
           </a:p>
@@ -2943,7 +2955,7 @@
           <a:p>
             <a:fld id="{FF835652-C135-4E2C-BCAE-96CF139E5011}" type="datetimeFigureOut">
               <a:rPr lang="en-US" smtClean="0"/>
-              <a:t>6/19/2023</a:t>
+              <a:t>6/21/2023</a:t>
             </a:fld>
             <a:endParaRPr lang="en-US"/>
           </a:p>
@@ -3084,7 +3096,7 @@
           <a:p>
             <a:fld id="{FF835652-C135-4E2C-BCAE-96CF139E5011}" type="datetimeFigureOut">
               <a:rPr lang="en-US" smtClean="0"/>
-              <a:t>6/19/2023</a:t>
+              <a:t>6/21/2023</a:t>
             </a:fld>
             <a:endParaRPr lang="en-US"/>
           </a:p>
@@ -3197,7 +3209,7 @@
           <a:p>
             <a:fld id="{FF835652-C135-4E2C-BCAE-96CF139E5011}" type="datetimeFigureOut">
               <a:rPr lang="en-US" smtClean="0"/>
-              <a:t>6/19/2023</a:t>
+              <a:t>6/21/2023</a:t>
             </a:fld>
             <a:endParaRPr lang="en-US"/>
           </a:p>
@@ -3508,7 +3520,7 @@
           <a:p>
             <a:fld id="{FF835652-C135-4E2C-BCAE-96CF139E5011}" type="datetimeFigureOut">
               <a:rPr lang="en-US" smtClean="0"/>
-              <a:t>6/19/2023</a:t>
+              <a:t>6/21/2023</a:t>
             </a:fld>
             <a:endParaRPr lang="en-US"/>
           </a:p>
@@ -3796,7 +3808,7 @@
           <a:p>
             <a:fld id="{FF835652-C135-4E2C-BCAE-96CF139E5011}" type="datetimeFigureOut">
               <a:rPr lang="en-US" smtClean="0"/>
-              <a:t>6/19/2023</a:t>
+              <a:t>6/21/2023</a:t>
             </a:fld>
             <a:endParaRPr lang="en-US"/>
           </a:p>
@@ -4037,7 +4049,7 @@
           <a:p>
             <a:fld id="{FF835652-C135-4E2C-BCAE-96CF139E5011}" type="datetimeFigureOut">
               <a:rPr lang="en-US" smtClean="0"/>
-              <a:t>6/19/2023</a:t>
+              <a:t>6/21/2023</a:t>
             </a:fld>
             <a:endParaRPr lang="en-US"/>
           </a:p>
@@ -27145,6 +27157,1364 @@
 </p:sld>
 </file>
 
+<file path=ppt/slides/slide10.xml><?xml version="1.0" encoding="utf-8"?>
+<p:sld xmlns:a="http://schemas.openxmlformats.org/drawingml/2006/main" xmlns:r="http://schemas.openxmlformats.org/officeDocument/2006/relationships" xmlns:p="http://schemas.openxmlformats.org/presentationml/2006/main">
+  <p:cSld>
+    <p:spTree>
+      <p:nvGrpSpPr>
+        <p:cNvPr id="1" name=""/>
+        <p:cNvGrpSpPr/>
+        <p:nvPr/>
+      </p:nvGrpSpPr>
+      <p:grpSpPr>
+        <a:xfrm>
+          <a:off x="0" y="0"/>
+          <a:ext cx="0" cy="0"/>
+          <a:chOff x="0" y="0"/>
+          <a:chExt cx="0" cy="0"/>
+        </a:xfrm>
+      </p:grpSpPr>
+      <p:pic>
+        <p:nvPicPr>
+          <p:cNvPr id="5" name="Picture 4">
+            <a:extLst>
+              <a:ext uri="{FF2B5EF4-FFF2-40B4-BE49-F238E27FC236}">
+                <a16:creationId xmlns:a16="http://schemas.microsoft.com/office/drawing/2014/main" id="{52395EB3-5DE3-F8D0-426F-C10EE226D3FC}"/>
+              </a:ext>
+            </a:extLst>
+          </p:cNvPr>
+          <p:cNvPicPr>
+            <a:picLocks noChangeAspect="1"/>
+          </p:cNvPicPr>
+          <p:nvPr/>
+        </p:nvPicPr>
+        <p:blipFill rotWithShape="1">
+          <a:blip r:embed="rId2"/>
+          <a:srcRect l="1379" r="46411" b="5030"/>
+          <a:stretch/>
+        </p:blipFill>
+        <p:spPr>
+          <a:xfrm>
+            <a:off x="654425" y="115071"/>
+            <a:ext cx="2868705" cy="2735706"/>
+          </a:xfrm>
+          <a:prstGeom prst="rect">
+            <a:avLst/>
+          </a:prstGeom>
+        </p:spPr>
+      </p:pic>
+      <p:pic>
+        <p:nvPicPr>
+          <p:cNvPr id="7" name="Picture 6">
+            <a:extLst>
+              <a:ext uri="{FF2B5EF4-FFF2-40B4-BE49-F238E27FC236}">
+                <a16:creationId xmlns:a16="http://schemas.microsoft.com/office/drawing/2014/main" id="{954E2BC3-4F77-6003-DEFD-3BD000EC1C22}"/>
+              </a:ext>
+            </a:extLst>
+          </p:cNvPr>
+          <p:cNvPicPr>
+            <a:picLocks noChangeAspect="1"/>
+          </p:cNvPicPr>
+          <p:nvPr/>
+        </p:nvPicPr>
+        <p:blipFill rotWithShape="1">
+          <a:blip r:embed="rId3"/>
+          <a:srcRect r="55165"/>
+          <a:stretch/>
+        </p:blipFill>
+        <p:spPr>
+          <a:xfrm>
+            <a:off x="3682117" y="910486"/>
+            <a:ext cx="1400871" cy="929721"/>
+          </a:xfrm>
+          <a:prstGeom prst="rect">
+            <a:avLst/>
+          </a:prstGeom>
+        </p:spPr>
+      </p:pic>
+      <p:pic>
+        <p:nvPicPr>
+          <p:cNvPr id="9" name="Picture 8">
+            <a:extLst>
+              <a:ext uri="{FF2B5EF4-FFF2-40B4-BE49-F238E27FC236}">
+                <a16:creationId xmlns:a16="http://schemas.microsoft.com/office/drawing/2014/main" id="{34322DC6-BF99-06AE-15F1-FAF8B04C1303}"/>
+              </a:ext>
+            </a:extLst>
+          </p:cNvPr>
+          <p:cNvPicPr>
+            <a:picLocks noChangeAspect="1"/>
+          </p:cNvPicPr>
+          <p:nvPr/>
+        </p:nvPicPr>
+        <p:blipFill rotWithShape="1">
+          <a:blip r:embed="rId4"/>
+          <a:srcRect r="37330"/>
+          <a:stretch/>
+        </p:blipFill>
+        <p:spPr>
+          <a:xfrm>
+            <a:off x="636087" y="2961593"/>
+            <a:ext cx="2887043" cy="2793107"/>
+          </a:xfrm>
+          <a:prstGeom prst="rect">
+            <a:avLst/>
+          </a:prstGeom>
+        </p:spPr>
+      </p:pic>
+      <p:pic>
+        <p:nvPicPr>
+          <p:cNvPr id="11" name="Picture 10">
+            <a:extLst>
+              <a:ext uri="{FF2B5EF4-FFF2-40B4-BE49-F238E27FC236}">
+                <a16:creationId xmlns:a16="http://schemas.microsoft.com/office/drawing/2014/main" id="{2DF37FEF-C1C1-022F-CE6B-CD54E422208A}"/>
+              </a:ext>
+            </a:extLst>
+          </p:cNvPr>
+          <p:cNvPicPr>
+            <a:picLocks noChangeAspect="1"/>
+          </p:cNvPicPr>
+          <p:nvPr/>
+        </p:nvPicPr>
+        <p:blipFill rotWithShape="1">
+          <a:blip r:embed="rId5"/>
+          <a:srcRect r="44464"/>
+          <a:stretch/>
+        </p:blipFill>
+        <p:spPr>
+          <a:xfrm>
+            <a:off x="3682117" y="3672351"/>
+            <a:ext cx="1400871" cy="929721"/>
+          </a:xfrm>
+          <a:prstGeom prst="rect">
+            <a:avLst/>
+          </a:prstGeom>
+        </p:spPr>
+      </p:pic>
+      <p:pic>
+        <p:nvPicPr>
+          <p:cNvPr id="13" name="Picture 12">
+            <a:extLst>
+              <a:ext uri="{FF2B5EF4-FFF2-40B4-BE49-F238E27FC236}">
+                <a16:creationId xmlns:a16="http://schemas.microsoft.com/office/drawing/2014/main" id="{46DAFD79-C7D7-54A6-25D1-4E82FBA87649}"/>
+              </a:ext>
+            </a:extLst>
+          </p:cNvPr>
+          <p:cNvPicPr>
+            <a:picLocks noChangeAspect="1"/>
+          </p:cNvPicPr>
+          <p:nvPr/>
+        </p:nvPicPr>
+        <p:blipFill rotWithShape="1">
+          <a:blip r:embed="rId6"/>
+          <a:srcRect r="20116"/>
+          <a:stretch/>
+        </p:blipFill>
+        <p:spPr>
+          <a:xfrm>
+            <a:off x="5963158" y="1620040"/>
+            <a:ext cx="3019477" cy="2461473"/>
+          </a:xfrm>
+          <a:prstGeom prst="rect">
+            <a:avLst/>
+          </a:prstGeom>
+        </p:spPr>
+      </p:pic>
+      <p:pic>
+        <p:nvPicPr>
+          <p:cNvPr id="15" name="Picture 14">
+            <a:extLst>
+              <a:ext uri="{FF2B5EF4-FFF2-40B4-BE49-F238E27FC236}">
+                <a16:creationId xmlns:a16="http://schemas.microsoft.com/office/drawing/2014/main" id="{956635F4-815B-CC25-BBAF-BCA7ECD9CAC2}"/>
+              </a:ext>
+            </a:extLst>
+          </p:cNvPr>
+          <p:cNvPicPr>
+            <a:picLocks noChangeAspect="1"/>
+          </p:cNvPicPr>
+          <p:nvPr/>
+        </p:nvPicPr>
+        <p:blipFill rotWithShape="1">
+          <a:blip r:embed="rId7"/>
+          <a:srcRect r="38128"/>
+          <a:stretch/>
+        </p:blipFill>
+        <p:spPr>
+          <a:xfrm>
+            <a:off x="9395128" y="2484984"/>
+            <a:ext cx="1541814" cy="731583"/>
+          </a:xfrm>
+          <a:prstGeom prst="rect">
+            <a:avLst/>
+          </a:prstGeom>
+        </p:spPr>
+      </p:pic>
+    </p:spTree>
+    <p:extLst>
+      <p:ext uri="{BB962C8B-B14F-4D97-AF65-F5344CB8AC3E}">
+        <p14:creationId xmlns:p14="http://schemas.microsoft.com/office/powerpoint/2010/main" val="34871111"/>
+      </p:ext>
+    </p:extLst>
+  </p:cSld>
+  <p:clrMapOvr>
+    <a:masterClrMapping/>
+  </p:clrMapOvr>
+</p:sld>
+</file>
+
+<file path=ppt/slides/slide11.xml><?xml version="1.0" encoding="utf-8"?>
+<p:sld xmlns:a="http://schemas.openxmlformats.org/drawingml/2006/main" xmlns:r="http://schemas.openxmlformats.org/officeDocument/2006/relationships" xmlns:p="http://schemas.openxmlformats.org/presentationml/2006/main">
+  <p:cSld>
+    <p:spTree>
+      <p:nvGrpSpPr>
+        <p:cNvPr id="1" name=""/>
+        <p:cNvGrpSpPr/>
+        <p:nvPr/>
+      </p:nvGrpSpPr>
+      <p:grpSpPr>
+        <a:xfrm>
+          <a:off x="0" y="0"/>
+          <a:ext cx="0" cy="0"/>
+          <a:chOff x="0" y="0"/>
+          <a:chExt cx="0" cy="0"/>
+        </a:xfrm>
+      </p:grpSpPr>
+      <p:sp>
+        <p:nvSpPr>
+          <p:cNvPr id="2" name="Title 1">
+            <a:extLst>
+              <a:ext uri="{FF2B5EF4-FFF2-40B4-BE49-F238E27FC236}">
+                <a16:creationId xmlns:a16="http://schemas.microsoft.com/office/drawing/2014/main" id="{F0A6DC6B-2B07-8583-72A6-F7D3EFE88B80}"/>
+              </a:ext>
+            </a:extLst>
+          </p:cNvPr>
+          <p:cNvSpPr>
+            <a:spLocks noGrp="1"/>
+          </p:cNvSpPr>
+          <p:nvPr>
+            <p:ph type="title"/>
+          </p:nvPr>
+        </p:nvSpPr>
+        <p:spPr>
+          <a:xfrm>
+            <a:off x="609600" y="807467"/>
+            <a:ext cx="9780494" cy="743427"/>
+          </a:xfrm>
+        </p:spPr>
+        <p:txBody>
+          <a:bodyPr/>
+          <a:lstStyle/>
+          <a:p>
+            <a:r>
+              <a:rPr lang="en-US" b="1" dirty="0"/>
+              <a:t>Checking if an Element Exists?</a:t>
+            </a:r>
+          </a:p>
+        </p:txBody>
+      </p:sp>
+      <p:sp>
+        <p:nvSpPr>
+          <p:cNvPr id="3" name="Text Placeholder 2">
+            <a:extLst>
+              <a:ext uri="{FF2B5EF4-FFF2-40B4-BE49-F238E27FC236}">
+                <a16:creationId xmlns:a16="http://schemas.microsoft.com/office/drawing/2014/main" id="{385060CD-90C9-2CF9-B080-4E83B5A3943E}"/>
+              </a:ext>
+            </a:extLst>
+          </p:cNvPr>
+          <p:cNvSpPr>
+            <a:spLocks noGrp="1"/>
+          </p:cNvSpPr>
+          <p:nvPr>
+            <p:ph type="body" idx="1"/>
+          </p:nvPr>
+        </p:nvSpPr>
+        <p:spPr>
+          <a:xfrm>
+            <a:off x="609599" y="1613647"/>
+            <a:ext cx="11143130" cy="4984377"/>
+          </a:xfrm>
+        </p:spPr>
+        <p:txBody>
+          <a:bodyPr/>
+          <a:lstStyle/>
+          <a:p>
+            <a:pPr marL="152396" indent="0">
+              <a:buNone/>
+            </a:pPr>
+            <a:r>
+              <a:rPr lang="en-US" dirty="0"/>
+              <a:t>In order to check whether an element exists or not in ArrayList, we need to use the Contains() method of the ArrayList non-generic collection class in C#. It returns true if exists otherwise returns false. </a:t>
+            </a:r>
+          </a:p>
+        </p:txBody>
+      </p:sp>
+      <p:pic>
+        <p:nvPicPr>
+          <p:cNvPr id="5" name="Picture 4">
+            <a:extLst>
+              <a:ext uri="{FF2B5EF4-FFF2-40B4-BE49-F238E27FC236}">
+                <a16:creationId xmlns:a16="http://schemas.microsoft.com/office/drawing/2014/main" id="{81B6CB3A-830A-2881-ACE6-72B015954442}"/>
+              </a:ext>
+            </a:extLst>
+          </p:cNvPr>
+          <p:cNvPicPr>
+            <a:picLocks noChangeAspect="1"/>
+          </p:cNvPicPr>
+          <p:nvPr/>
+        </p:nvPicPr>
+        <p:blipFill>
+          <a:blip r:embed="rId2"/>
+          <a:stretch>
+            <a:fillRect/>
+          </a:stretch>
+        </p:blipFill>
+        <p:spPr>
+          <a:xfrm>
+            <a:off x="1238701" y="3429000"/>
+            <a:ext cx="5572903" cy="2419688"/>
+          </a:xfrm>
+          <a:prstGeom prst="rect">
+            <a:avLst/>
+          </a:prstGeom>
+        </p:spPr>
+      </p:pic>
+      <p:pic>
+        <p:nvPicPr>
+          <p:cNvPr id="7" name="Picture 6">
+            <a:extLst>
+              <a:ext uri="{FF2B5EF4-FFF2-40B4-BE49-F238E27FC236}">
+                <a16:creationId xmlns:a16="http://schemas.microsoft.com/office/drawing/2014/main" id="{BE1D87CF-5625-B166-5068-8FBB62D17F19}"/>
+              </a:ext>
+            </a:extLst>
+          </p:cNvPr>
+          <p:cNvPicPr>
+            <a:picLocks noChangeAspect="1"/>
+          </p:cNvPicPr>
+          <p:nvPr/>
+        </p:nvPicPr>
+        <p:blipFill rotWithShape="1">
+          <a:blip r:embed="rId3"/>
+          <a:srcRect r="28469"/>
+          <a:stretch/>
+        </p:blipFill>
+        <p:spPr>
+          <a:xfrm>
+            <a:off x="7085609" y="4319712"/>
+            <a:ext cx="2766603" cy="638264"/>
+          </a:xfrm>
+          <a:prstGeom prst="rect">
+            <a:avLst/>
+          </a:prstGeom>
+        </p:spPr>
+      </p:pic>
+    </p:spTree>
+    <p:extLst>
+      <p:ext uri="{BB962C8B-B14F-4D97-AF65-F5344CB8AC3E}">
+        <p14:creationId xmlns:p14="http://schemas.microsoft.com/office/powerpoint/2010/main" val="4042733170"/>
+      </p:ext>
+    </p:extLst>
+  </p:cSld>
+  <p:clrMapOvr>
+    <a:masterClrMapping/>
+  </p:clrMapOvr>
+</p:sld>
+</file>
+
+<file path=ppt/slides/slide12.xml><?xml version="1.0" encoding="utf-8"?>
+<p:sld xmlns:a="http://schemas.openxmlformats.org/drawingml/2006/main" xmlns:r="http://schemas.openxmlformats.org/officeDocument/2006/relationships" xmlns:p="http://schemas.openxmlformats.org/presentationml/2006/main">
+  <p:cSld>
+    <p:spTree>
+      <p:nvGrpSpPr>
+        <p:cNvPr id="1" name=""/>
+        <p:cNvGrpSpPr/>
+        <p:nvPr/>
+      </p:nvGrpSpPr>
+      <p:grpSpPr>
+        <a:xfrm>
+          <a:off x="0" y="0"/>
+          <a:ext cx="0" cy="0"/>
+          <a:chOff x="0" y="0"/>
+          <a:chExt cx="0" cy="0"/>
+        </a:xfrm>
+      </p:grpSpPr>
+      <p:sp>
+        <p:nvSpPr>
+          <p:cNvPr id="2" name="Title 1">
+            <a:extLst>
+              <a:ext uri="{FF2B5EF4-FFF2-40B4-BE49-F238E27FC236}">
+                <a16:creationId xmlns:a16="http://schemas.microsoft.com/office/drawing/2014/main" id="{D84CE97B-989C-5BBB-1EFB-140024F16ED5}"/>
+              </a:ext>
+            </a:extLst>
+          </p:cNvPr>
+          <p:cNvSpPr>
+            <a:spLocks noGrp="1"/>
+          </p:cNvSpPr>
+          <p:nvPr>
+            <p:ph type="title"/>
+          </p:nvPr>
+        </p:nvSpPr>
+        <p:spPr>
+          <a:xfrm>
+            <a:off x="609600" y="153043"/>
+            <a:ext cx="11582400" cy="662745"/>
+          </a:xfrm>
+        </p:spPr>
+        <p:txBody>
+          <a:bodyPr/>
+          <a:lstStyle/>
+          <a:p>
+            <a:r>
+              <a:rPr lang="en-US" dirty="0"/>
+              <a:t>Cloning Non-generic ArrayList</a:t>
+            </a:r>
+          </a:p>
+        </p:txBody>
+      </p:sp>
+      <p:sp>
+        <p:nvSpPr>
+          <p:cNvPr id="3" name="Text Placeholder 2">
+            <a:extLst>
+              <a:ext uri="{FF2B5EF4-FFF2-40B4-BE49-F238E27FC236}">
+                <a16:creationId xmlns:a16="http://schemas.microsoft.com/office/drawing/2014/main" id="{BE036D9C-F908-B0EA-84F9-8C709CC7FE7F}"/>
+              </a:ext>
+            </a:extLst>
+          </p:cNvPr>
+          <p:cNvSpPr>
+            <a:spLocks noGrp="1"/>
+          </p:cNvSpPr>
+          <p:nvPr>
+            <p:ph type="body" idx="1"/>
+          </p:nvPr>
+        </p:nvSpPr>
+        <p:spPr>
+          <a:xfrm>
+            <a:off x="744069" y="1219200"/>
+            <a:ext cx="11134165" cy="5366412"/>
+          </a:xfrm>
+        </p:spPr>
+        <p:txBody>
+          <a:bodyPr/>
+          <a:lstStyle/>
+          <a:p>
+            <a:r>
+              <a:rPr lang="en-US" dirty="0"/>
+              <a:t>Clone(): This method is used to create and return a shallow copy of the ArrayList</a:t>
+            </a:r>
+          </a:p>
+          <a:p>
+            <a:endParaRPr lang="en-US" dirty="0"/>
+          </a:p>
+          <a:p>
+            <a:endParaRPr lang="en-US" dirty="0"/>
+          </a:p>
+        </p:txBody>
+      </p:sp>
+      <p:pic>
+        <p:nvPicPr>
+          <p:cNvPr id="5" name="Picture 4">
+            <a:extLst>
+              <a:ext uri="{FF2B5EF4-FFF2-40B4-BE49-F238E27FC236}">
+                <a16:creationId xmlns:a16="http://schemas.microsoft.com/office/drawing/2014/main" id="{A6864304-E8F2-2F0C-8AC0-99C6CC776794}"/>
+              </a:ext>
+            </a:extLst>
+          </p:cNvPr>
+          <p:cNvPicPr>
+            <a:picLocks noChangeAspect="1"/>
+          </p:cNvPicPr>
+          <p:nvPr/>
+        </p:nvPicPr>
+        <p:blipFill>
+          <a:blip r:embed="rId2"/>
+          <a:stretch>
+            <a:fillRect/>
+          </a:stretch>
+        </p:blipFill>
+        <p:spPr>
+          <a:xfrm>
+            <a:off x="1155751" y="2623357"/>
+            <a:ext cx="5953956" cy="3153215"/>
+          </a:xfrm>
+          <a:prstGeom prst="rect">
+            <a:avLst/>
+          </a:prstGeom>
+        </p:spPr>
+      </p:pic>
+      <p:pic>
+        <p:nvPicPr>
+          <p:cNvPr id="7" name="Picture 6">
+            <a:extLst>
+              <a:ext uri="{FF2B5EF4-FFF2-40B4-BE49-F238E27FC236}">
+                <a16:creationId xmlns:a16="http://schemas.microsoft.com/office/drawing/2014/main" id="{50541A7F-1CC4-334B-5E41-A51BF2DD8A39}"/>
+              </a:ext>
+            </a:extLst>
+          </p:cNvPr>
+          <p:cNvPicPr>
+            <a:picLocks noChangeAspect="1"/>
+          </p:cNvPicPr>
+          <p:nvPr/>
+        </p:nvPicPr>
+        <p:blipFill rotWithShape="1">
+          <a:blip r:embed="rId3"/>
+          <a:srcRect r="33607"/>
+          <a:stretch/>
+        </p:blipFill>
+        <p:spPr>
+          <a:xfrm>
+            <a:off x="7521390" y="3273668"/>
+            <a:ext cx="2061882" cy="1257475"/>
+          </a:xfrm>
+          <a:prstGeom prst="rect">
+            <a:avLst/>
+          </a:prstGeom>
+        </p:spPr>
+      </p:pic>
+    </p:spTree>
+    <p:extLst>
+      <p:ext uri="{BB962C8B-B14F-4D97-AF65-F5344CB8AC3E}">
+        <p14:creationId xmlns:p14="http://schemas.microsoft.com/office/powerpoint/2010/main" val="1808037330"/>
+      </p:ext>
+    </p:extLst>
+  </p:cSld>
+  <p:clrMapOvr>
+    <a:masterClrMapping/>
+  </p:clrMapOvr>
+</p:sld>
+</file>
+
+<file path=ppt/slides/slide13.xml><?xml version="1.0" encoding="utf-8"?>
+<p:sld xmlns:a="http://schemas.openxmlformats.org/drawingml/2006/main" xmlns:r="http://schemas.openxmlformats.org/officeDocument/2006/relationships" xmlns:p="http://schemas.openxmlformats.org/presentationml/2006/main">
+  <p:cSld>
+    <p:spTree>
+      <p:nvGrpSpPr>
+        <p:cNvPr id="1" name=""/>
+        <p:cNvGrpSpPr/>
+        <p:nvPr/>
+      </p:nvGrpSpPr>
+      <p:grpSpPr>
+        <a:xfrm>
+          <a:off x="0" y="0"/>
+          <a:ext cx="0" cy="0"/>
+          <a:chOff x="0" y="0"/>
+          <a:chExt cx="0" cy="0"/>
+        </a:xfrm>
+      </p:grpSpPr>
+      <p:sp>
+        <p:nvSpPr>
+          <p:cNvPr id="2" name="Title 1">
+            <a:extLst>
+              <a:ext uri="{FF2B5EF4-FFF2-40B4-BE49-F238E27FC236}">
+                <a16:creationId xmlns:a16="http://schemas.microsoft.com/office/drawing/2014/main" id="{C2785AD7-6EE0-7373-EE4F-2A91CE2929A6}"/>
+              </a:ext>
+            </a:extLst>
+          </p:cNvPr>
+          <p:cNvSpPr>
+            <a:spLocks noGrp="1"/>
+          </p:cNvSpPr>
+          <p:nvPr>
+            <p:ph type="title"/>
+          </p:nvPr>
+        </p:nvSpPr>
+        <p:spPr>
+          <a:xfrm>
+            <a:off x="609600" y="170972"/>
+            <a:ext cx="10497671" cy="599993"/>
+          </a:xfrm>
+        </p:spPr>
+        <p:txBody>
+          <a:bodyPr/>
+          <a:lstStyle/>
+          <a:p>
+            <a:r>
+              <a:rPr lang="en-US" dirty="0"/>
+              <a:t>CopyTo in ArrayList</a:t>
+            </a:r>
+          </a:p>
+        </p:txBody>
+      </p:sp>
+      <p:sp>
+        <p:nvSpPr>
+          <p:cNvPr id="3" name="Text Placeholder 2">
+            <a:extLst>
+              <a:ext uri="{FF2B5EF4-FFF2-40B4-BE49-F238E27FC236}">
+                <a16:creationId xmlns:a16="http://schemas.microsoft.com/office/drawing/2014/main" id="{E11AD595-73A2-9203-7B71-89C5D84676ED}"/>
+              </a:ext>
+            </a:extLst>
+          </p:cNvPr>
+          <p:cNvSpPr>
+            <a:spLocks noGrp="1"/>
+          </p:cNvSpPr>
+          <p:nvPr>
+            <p:ph type="body" idx="1"/>
+          </p:nvPr>
+        </p:nvSpPr>
+        <p:spPr>
+          <a:xfrm>
+            <a:off x="448235" y="833718"/>
+            <a:ext cx="11510683" cy="5540188"/>
+          </a:xfrm>
+        </p:spPr>
+        <p:txBody>
+          <a:bodyPr/>
+          <a:lstStyle/>
+          <a:p>
+            <a:pPr marL="152396" indent="0">
+              <a:buNone/>
+            </a:pPr>
+            <a:r>
+              <a:rPr lang="en-US" sz="1800" b="1" dirty="0"/>
+              <a:t>CopyTo(Array array): </a:t>
+            </a:r>
+            <a:r>
+              <a:rPr lang="en-US" sz="1800" dirty="0"/>
+              <a:t>This method is used to copy the entire ArrayList to a compatible one-dimensional Array, starting at the beginning of the target array. The parameter array specifies the one-dimensional Array that is the destination of the elements copied from ArrayList. The Array must have zero-based indexing. If the parameter array is null, then it will throw </a:t>
+            </a:r>
+            <a:r>
+              <a:rPr lang="en-US" sz="1800" dirty="0" err="1"/>
+              <a:t>ArgumentNullException</a:t>
+            </a:r>
+            <a:r>
+              <a:rPr lang="en-US" sz="1800" dirty="0"/>
+              <a:t>.</a:t>
+            </a:r>
+          </a:p>
+          <a:p>
+            <a:pPr marL="152396" indent="0">
+              <a:buNone/>
+            </a:pPr>
+            <a:r>
+              <a:rPr lang="en-US" sz="1800" b="1" dirty="0"/>
+              <a:t>CopyTo(Array </a:t>
+            </a:r>
+            <a:r>
+              <a:rPr lang="en-US" sz="1800" b="1" dirty="0" err="1"/>
+              <a:t>array</a:t>
+            </a:r>
+            <a:r>
+              <a:rPr lang="en-US" sz="1800" b="1" dirty="0"/>
+              <a:t>, int </a:t>
+            </a:r>
+            <a:r>
+              <a:rPr lang="en-US" sz="1800" b="1" dirty="0" err="1"/>
+              <a:t>arrayIndex</a:t>
+            </a:r>
+            <a:r>
+              <a:rPr lang="en-US" sz="1800" b="1" dirty="0"/>
+              <a:t>): </a:t>
+            </a:r>
+            <a:r>
+              <a:rPr lang="en-US" sz="1800" dirty="0"/>
+              <a:t>This method is used to copy the entire ArrayList to a compatible one-dimensional Array, starting at the specified index of the target array. Here, the parameter array specifies the one-dimensional array that is the destination of the elements copied from the ArrayList. The Array must have zero-based indexing. The </a:t>
+            </a:r>
+            <a:r>
+              <a:rPr lang="en-US" sz="1800" dirty="0" err="1"/>
+              <a:t>arrayIndex</a:t>
+            </a:r>
+            <a:r>
+              <a:rPr lang="en-US" sz="1800" dirty="0"/>
+              <a:t> parameter specifies the zero-based index in the array at which copying begins. If the parameter array is null, then it will throw </a:t>
+            </a:r>
+            <a:r>
+              <a:rPr lang="en-US" sz="1800" dirty="0" err="1"/>
+              <a:t>ArgumentNullException</a:t>
+            </a:r>
+            <a:r>
+              <a:rPr lang="en-US" sz="1800" dirty="0"/>
+              <a:t>. If the parameter </a:t>
+            </a:r>
+            <a:r>
+              <a:rPr lang="en-US" sz="1800" dirty="0" err="1"/>
+              <a:t>arrayIndex</a:t>
+            </a:r>
+            <a:r>
+              <a:rPr lang="en-US" sz="1800" dirty="0"/>
+              <a:t> is less than zero, then it will throw </a:t>
+            </a:r>
+            <a:r>
+              <a:rPr lang="en-US" sz="1800" dirty="0" err="1"/>
+              <a:t>ArgumentOutOfRangeException</a:t>
+            </a:r>
+            <a:r>
+              <a:rPr lang="en-US" sz="1800" dirty="0"/>
+              <a:t>.</a:t>
+            </a:r>
+          </a:p>
+          <a:p>
+            <a:pPr marL="152396" indent="0">
+              <a:buNone/>
+            </a:pPr>
+            <a:r>
+              <a:rPr lang="en-US" sz="1800" b="1" dirty="0"/>
+              <a:t>CopyTo(int index, Array </a:t>
+            </a:r>
+            <a:r>
+              <a:rPr lang="en-US" sz="1800" b="1" dirty="0" err="1"/>
+              <a:t>array</a:t>
+            </a:r>
+            <a:r>
+              <a:rPr lang="en-US" sz="1800" b="1" dirty="0"/>
+              <a:t>, int </a:t>
+            </a:r>
+            <a:r>
+              <a:rPr lang="en-US" sz="1800" b="1" dirty="0" err="1"/>
+              <a:t>arrayIndex</a:t>
+            </a:r>
+            <a:r>
+              <a:rPr lang="en-US" sz="1800" b="1" dirty="0"/>
+              <a:t>, int count): </a:t>
+            </a:r>
+            <a:r>
+              <a:rPr lang="en-US" sz="1800" dirty="0"/>
+              <a:t>This method is used to copy a range of elements from the </a:t>
+            </a:r>
+            <a:r>
+              <a:rPr lang="en-US" sz="1800" dirty="0" err="1"/>
+              <a:t>System.Collections.ArrayList</a:t>
+            </a:r>
+            <a:r>
+              <a:rPr lang="en-US" sz="1800" dirty="0"/>
+              <a:t> to a compatible one-dimensional Array, starting at the specified index of the target array. The index parameter specifies the zero-based index in the source </a:t>
+            </a:r>
+            <a:r>
+              <a:rPr lang="en-US" sz="1800" dirty="0" err="1"/>
+              <a:t>System.Collections.ArrayList</a:t>
+            </a:r>
+            <a:r>
+              <a:rPr lang="en-US" sz="1800" dirty="0"/>
+              <a:t> at which copying begins. The array parameter specifies the one-dimensional Array that is the destination of the elements copied from ArrayList. The Array must have zero-based indexing. The </a:t>
+            </a:r>
+            <a:r>
+              <a:rPr lang="en-US" sz="1800" dirty="0" err="1"/>
+              <a:t>arrayIndex</a:t>
+            </a:r>
+            <a:r>
+              <a:rPr lang="en-US" sz="1800" dirty="0"/>
+              <a:t> parameter specifies the zero-based index in the array at which copying begins. The count parameter specifies the number of elements to copy. If the parameter array is null, then it will throw </a:t>
+            </a:r>
+            <a:r>
+              <a:rPr lang="en-US" sz="1800" dirty="0" err="1"/>
+              <a:t>ArgumentNullException</a:t>
+            </a:r>
+            <a:r>
+              <a:rPr lang="en-US" sz="1800" dirty="0"/>
+              <a:t>. If the parameter index is less than zero, </a:t>
+            </a:r>
+            <a:r>
+              <a:rPr lang="en-US" sz="1800" dirty="0" err="1"/>
+              <a:t>arrayIndex</a:t>
+            </a:r>
+            <a:r>
+              <a:rPr lang="en-US" sz="1800" dirty="0"/>
+              <a:t> is less than zero, or the count is less than zero, then it will throw </a:t>
+            </a:r>
+            <a:r>
+              <a:rPr lang="en-US" sz="1800" dirty="0" err="1"/>
+              <a:t>ArgumentOutOfRangeException</a:t>
+            </a:r>
+            <a:r>
+              <a:rPr lang="en-US" sz="1800" dirty="0"/>
+              <a:t>.</a:t>
+            </a:r>
+          </a:p>
+        </p:txBody>
+      </p:sp>
+    </p:spTree>
+    <p:extLst>
+      <p:ext uri="{BB962C8B-B14F-4D97-AF65-F5344CB8AC3E}">
+        <p14:creationId xmlns:p14="http://schemas.microsoft.com/office/powerpoint/2010/main" val="283325073"/>
+      </p:ext>
+    </p:extLst>
+  </p:cSld>
+  <p:clrMapOvr>
+    <a:masterClrMapping/>
+  </p:clrMapOvr>
+</p:sld>
+</file>
+
+<file path=ppt/slides/slide14.xml><?xml version="1.0" encoding="utf-8"?>
+<p:sld xmlns:a="http://schemas.openxmlformats.org/drawingml/2006/main" xmlns:r="http://schemas.openxmlformats.org/officeDocument/2006/relationships" xmlns:p="http://schemas.openxmlformats.org/presentationml/2006/main">
+  <p:cSld>
+    <p:spTree>
+      <p:nvGrpSpPr>
+        <p:cNvPr id="1" name=""/>
+        <p:cNvGrpSpPr/>
+        <p:nvPr/>
+      </p:nvGrpSpPr>
+      <p:grpSpPr>
+        <a:xfrm>
+          <a:off x="0" y="0"/>
+          <a:ext cx="0" cy="0"/>
+          <a:chOff x="0" y="0"/>
+          <a:chExt cx="0" cy="0"/>
+        </a:xfrm>
+      </p:grpSpPr>
+      <p:pic>
+        <p:nvPicPr>
+          <p:cNvPr id="5" name="Picture 4">
+            <a:extLst>
+              <a:ext uri="{FF2B5EF4-FFF2-40B4-BE49-F238E27FC236}">
+                <a16:creationId xmlns:a16="http://schemas.microsoft.com/office/drawing/2014/main" id="{F2E29301-3996-DC88-AA77-097FD2DBA759}"/>
+              </a:ext>
+            </a:extLst>
+          </p:cNvPr>
+          <p:cNvPicPr>
+            <a:picLocks noChangeAspect="1"/>
+          </p:cNvPicPr>
+          <p:nvPr/>
+        </p:nvPicPr>
+        <p:blipFill rotWithShape="1">
+          <a:blip r:embed="rId2"/>
+          <a:srcRect r="28374"/>
+          <a:stretch/>
+        </p:blipFill>
+        <p:spPr>
+          <a:xfrm>
+            <a:off x="600189" y="246836"/>
+            <a:ext cx="4231787" cy="3358524"/>
+          </a:xfrm>
+          <a:prstGeom prst="rect">
+            <a:avLst/>
+          </a:prstGeom>
+        </p:spPr>
+      </p:pic>
+      <p:pic>
+        <p:nvPicPr>
+          <p:cNvPr id="7" name="Picture 6">
+            <a:extLst>
+              <a:ext uri="{FF2B5EF4-FFF2-40B4-BE49-F238E27FC236}">
+                <a16:creationId xmlns:a16="http://schemas.microsoft.com/office/drawing/2014/main" id="{B2DD847C-AA01-4D97-A043-1B205AD8C91D}"/>
+              </a:ext>
+            </a:extLst>
+          </p:cNvPr>
+          <p:cNvPicPr>
+            <a:picLocks noChangeAspect="1"/>
+          </p:cNvPicPr>
+          <p:nvPr/>
+        </p:nvPicPr>
+        <p:blipFill>
+          <a:blip r:embed="rId3"/>
+          <a:stretch>
+            <a:fillRect/>
+          </a:stretch>
+        </p:blipFill>
+        <p:spPr>
+          <a:xfrm>
+            <a:off x="600189" y="3771381"/>
+            <a:ext cx="4124211" cy="3086619"/>
+          </a:xfrm>
+          <a:prstGeom prst="rect">
+            <a:avLst/>
+          </a:prstGeom>
+        </p:spPr>
+      </p:pic>
+      <p:pic>
+        <p:nvPicPr>
+          <p:cNvPr id="9" name="Picture 8">
+            <a:extLst>
+              <a:ext uri="{FF2B5EF4-FFF2-40B4-BE49-F238E27FC236}">
+                <a16:creationId xmlns:a16="http://schemas.microsoft.com/office/drawing/2014/main" id="{5239DB33-A620-5DBA-DA96-31496982D5A5}"/>
+              </a:ext>
+            </a:extLst>
+          </p:cNvPr>
+          <p:cNvPicPr>
+            <a:picLocks noChangeAspect="1"/>
+          </p:cNvPicPr>
+          <p:nvPr/>
+        </p:nvPicPr>
+        <p:blipFill>
+          <a:blip r:embed="rId4"/>
+          <a:stretch>
+            <a:fillRect/>
+          </a:stretch>
+        </p:blipFill>
+        <p:spPr>
+          <a:xfrm>
+            <a:off x="5047877" y="1330702"/>
+            <a:ext cx="1343212" cy="1190791"/>
+          </a:xfrm>
+          <a:prstGeom prst="rect">
+            <a:avLst/>
+          </a:prstGeom>
+        </p:spPr>
+      </p:pic>
+      <p:pic>
+        <p:nvPicPr>
+          <p:cNvPr id="11" name="Picture 10">
+            <a:extLst>
+              <a:ext uri="{FF2B5EF4-FFF2-40B4-BE49-F238E27FC236}">
+                <a16:creationId xmlns:a16="http://schemas.microsoft.com/office/drawing/2014/main" id="{881891FC-A96E-933A-B1BC-35B8553DC612}"/>
+              </a:ext>
+            </a:extLst>
+          </p:cNvPr>
+          <p:cNvPicPr>
+            <a:picLocks noChangeAspect="1"/>
+          </p:cNvPicPr>
+          <p:nvPr/>
+        </p:nvPicPr>
+        <p:blipFill>
+          <a:blip r:embed="rId5"/>
+          <a:stretch>
+            <a:fillRect/>
+          </a:stretch>
+        </p:blipFill>
+        <p:spPr>
+          <a:xfrm>
+            <a:off x="5047877" y="4583115"/>
+            <a:ext cx="1419423" cy="1295581"/>
+          </a:xfrm>
+          <a:prstGeom prst="rect">
+            <a:avLst/>
+          </a:prstGeom>
+        </p:spPr>
+      </p:pic>
+      <p:pic>
+        <p:nvPicPr>
+          <p:cNvPr id="13" name="Picture 12">
+            <a:extLst>
+              <a:ext uri="{FF2B5EF4-FFF2-40B4-BE49-F238E27FC236}">
+                <a16:creationId xmlns:a16="http://schemas.microsoft.com/office/drawing/2014/main" id="{17421D90-3A69-B91F-554D-AF9EFA986A5E}"/>
+              </a:ext>
+            </a:extLst>
+          </p:cNvPr>
+          <p:cNvPicPr>
+            <a:picLocks noChangeAspect="1"/>
+          </p:cNvPicPr>
+          <p:nvPr/>
+        </p:nvPicPr>
+        <p:blipFill>
+          <a:blip r:embed="rId6"/>
+          <a:stretch>
+            <a:fillRect/>
+          </a:stretch>
+        </p:blipFill>
+        <p:spPr>
+          <a:xfrm>
+            <a:off x="6621175" y="1642813"/>
+            <a:ext cx="4334480" cy="3572374"/>
+          </a:xfrm>
+          <a:prstGeom prst="rect">
+            <a:avLst/>
+          </a:prstGeom>
+        </p:spPr>
+      </p:pic>
+      <p:pic>
+        <p:nvPicPr>
+          <p:cNvPr id="15" name="Picture 14">
+            <a:extLst>
+              <a:ext uri="{FF2B5EF4-FFF2-40B4-BE49-F238E27FC236}">
+                <a16:creationId xmlns:a16="http://schemas.microsoft.com/office/drawing/2014/main" id="{4C342E0D-B986-6024-F3CE-B30B670EFD94}"/>
+              </a:ext>
+            </a:extLst>
+          </p:cNvPr>
+          <p:cNvPicPr>
+            <a:picLocks noChangeAspect="1"/>
+          </p:cNvPicPr>
+          <p:nvPr/>
+        </p:nvPicPr>
+        <p:blipFill>
+          <a:blip r:embed="rId7"/>
+          <a:stretch>
+            <a:fillRect/>
+          </a:stretch>
+        </p:blipFill>
+        <p:spPr>
+          <a:xfrm>
+            <a:off x="11064390" y="2771683"/>
+            <a:ext cx="1054842" cy="1314633"/>
+          </a:xfrm>
+          <a:prstGeom prst="rect">
+            <a:avLst/>
+          </a:prstGeom>
+        </p:spPr>
+      </p:pic>
+    </p:spTree>
+    <p:extLst>
+      <p:ext uri="{BB962C8B-B14F-4D97-AF65-F5344CB8AC3E}">
+        <p14:creationId xmlns:p14="http://schemas.microsoft.com/office/powerpoint/2010/main" val="2796513857"/>
+      </p:ext>
+    </p:extLst>
+  </p:cSld>
+  <p:clrMapOvr>
+    <a:masterClrMapping/>
+  </p:clrMapOvr>
+</p:sld>
+</file>
+
+<file path=ppt/slides/slide15.xml><?xml version="1.0" encoding="utf-8"?>
+<p:sld xmlns:a="http://schemas.openxmlformats.org/drawingml/2006/main" xmlns:r="http://schemas.openxmlformats.org/officeDocument/2006/relationships" xmlns:p="http://schemas.openxmlformats.org/presentationml/2006/main">
+  <p:cSld>
+    <p:spTree>
+      <p:nvGrpSpPr>
+        <p:cNvPr id="1" name=""/>
+        <p:cNvGrpSpPr/>
+        <p:nvPr/>
+      </p:nvGrpSpPr>
+      <p:grpSpPr>
+        <a:xfrm>
+          <a:off x="0" y="0"/>
+          <a:ext cx="0" cy="0"/>
+          <a:chOff x="0" y="0"/>
+          <a:chExt cx="0" cy="0"/>
+        </a:xfrm>
+      </p:grpSpPr>
+      <p:sp>
+        <p:nvSpPr>
+          <p:cNvPr id="2" name="Title 1">
+            <a:extLst>
+              <a:ext uri="{FF2B5EF4-FFF2-40B4-BE49-F238E27FC236}">
+                <a16:creationId xmlns:a16="http://schemas.microsoft.com/office/drawing/2014/main" id="{AECEFD59-3808-E70D-32CC-4A13501E18C9}"/>
+              </a:ext>
+            </a:extLst>
+          </p:cNvPr>
+          <p:cNvSpPr>
+            <a:spLocks noGrp="1"/>
+          </p:cNvSpPr>
+          <p:nvPr>
+            <p:ph type="title"/>
+          </p:nvPr>
+        </p:nvSpPr>
+        <p:spPr>
+          <a:xfrm>
+            <a:off x="609600" y="206831"/>
+            <a:ext cx="7727576" cy="725498"/>
+          </a:xfrm>
+        </p:spPr>
+        <p:txBody>
+          <a:bodyPr/>
+          <a:lstStyle/>
+          <a:p>
+            <a:r>
+              <a:rPr lang="en-US" dirty="0"/>
+              <a:t>Sort Elements </a:t>
+            </a:r>
+          </a:p>
+        </p:txBody>
+      </p:sp>
+      <p:sp>
+        <p:nvSpPr>
+          <p:cNvPr id="3" name="Text Placeholder 2">
+            <a:extLst>
+              <a:ext uri="{FF2B5EF4-FFF2-40B4-BE49-F238E27FC236}">
+                <a16:creationId xmlns:a16="http://schemas.microsoft.com/office/drawing/2014/main" id="{EC4029D3-6B9F-6BAF-3F63-9505B435FC4F}"/>
+              </a:ext>
+            </a:extLst>
+          </p:cNvPr>
+          <p:cNvSpPr>
+            <a:spLocks noGrp="1"/>
+          </p:cNvSpPr>
+          <p:nvPr>
+            <p:ph type="body" idx="1"/>
+          </p:nvPr>
+        </p:nvSpPr>
+        <p:spPr>
+          <a:xfrm>
+            <a:off x="609600" y="1048871"/>
+            <a:ext cx="11062448" cy="5513293"/>
+          </a:xfrm>
+        </p:spPr>
+        <p:txBody>
+          <a:bodyPr/>
+          <a:lstStyle/>
+          <a:p>
+            <a:pPr marL="152396" indent="0">
+              <a:buNone/>
+            </a:pPr>
+            <a:r>
+              <a:rPr lang="en-US" dirty="0"/>
+              <a:t>This method is used to sort the elements in the entire </a:t>
+            </a:r>
+            <a:r>
+              <a:rPr lang="en-US" dirty="0" err="1"/>
+              <a:t>System.Collections.ArrayList</a:t>
+            </a:r>
+            <a:r>
+              <a:rPr lang="en-US" dirty="0"/>
+              <a:t>.</a:t>
+            </a:r>
+          </a:p>
+        </p:txBody>
+      </p:sp>
+      <p:pic>
+        <p:nvPicPr>
+          <p:cNvPr id="5" name="Picture 4">
+            <a:extLst>
+              <a:ext uri="{FF2B5EF4-FFF2-40B4-BE49-F238E27FC236}">
+                <a16:creationId xmlns:a16="http://schemas.microsoft.com/office/drawing/2014/main" id="{316FD3BC-64AB-57D6-5E6A-50E2DCDB1D05}"/>
+              </a:ext>
+            </a:extLst>
+          </p:cNvPr>
+          <p:cNvPicPr>
+            <a:picLocks noChangeAspect="1"/>
+          </p:cNvPicPr>
+          <p:nvPr/>
+        </p:nvPicPr>
+        <p:blipFill>
+          <a:blip r:embed="rId2"/>
+          <a:stretch>
+            <a:fillRect/>
+          </a:stretch>
+        </p:blipFill>
+        <p:spPr>
+          <a:xfrm>
+            <a:off x="974317" y="2608282"/>
+            <a:ext cx="4505954" cy="3200847"/>
+          </a:xfrm>
+          <a:prstGeom prst="rect">
+            <a:avLst/>
+          </a:prstGeom>
+        </p:spPr>
+      </p:pic>
+      <p:pic>
+        <p:nvPicPr>
+          <p:cNvPr id="7" name="Picture 6">
+            <a:extLst>
+              <a:ext uri="{FF2B5EF4-FFF2-40B4-BE49-F238E27FC236}">
+                <a16:creationId xmlns:a16="http://schemas.microsoft.com/office/drawing/2014/main" id="{AE77EDC7-CC11-5A79-1A1E-E458C336E33A}"/>
+              </a:ext>
+            </a:extLst>
+          </p:cNvPr>
+          <p:cNvPicPr>
+            <a:picLocks noChangeAspect="1"/>
+          </p:cNvPicPr>
+          <p:nvPr/>
+        </p:nvPicPr>
+        <p:blipFill>
+          <a:blip r:embed="rId3"/>
+          <a:stretch>
+            <a:fillRect/>
+          </a:stretch>
+        </p:blipFill>
+        <p:spPr>
+          <a:xfrm>
+            <a:off x="5836024" y="3556151"/>
+            <a:ext cx="1409897" cy="1305107"/>
+          </a:xfrm>
+          <a:prstGeom prst="rect">
+            <a:avLst/>
+          </a:prstGeom>
+        </p:spPr>
+      </p:pic>
+    </p:spTree>
+    <p:extLst>
+      <p:ext uri="{BB962C8B-B14F-4D97-AF65-F5344CB8AC3E}">
+        <p14:creationId xmlns:p14="http://schemas.microsoft.com/office/powerpoint/2010/main" val="3418205620"/>
+      </p:ext>
+    </p:extLst>
+  </p:cSld>
+  <p:clrMapOvr>
+    <a:masterClrMapping/>
+  </p:clrMapOvr>
+</p:sld>
+</file>
+
+<file path=ppt/slides/slide16.xml><?xml version="1.0" encoding="utf-8"?>
+<p:sld xmlns:a="http://schemas.openxmlformats.org/drawingml/2006/main" xmlns:r="http://schemas.openxmlformats.org/officeDocument/2006/relationships" xmlns:p="http://schemas.openxmlformats.org/presentationml/2006/main">
+  <p:cSld>
+    <p:spTree>
+      <p:nvGrpSpPr>
+        <p:cNvPr id="1" name=""/>
+        <p:cNvGrpSpPr/>
+        <p:nvPr/>
+      </p:nvGrpSpPr>
+      <p:grpSpPr>
+        <a:xfrm>
+          <a:off x="0" y="0"/>
+          <a:ext cx="0" cy="0"/>
+          <a:chOff x="0" y="0"/>
+          <a:chExt cx="0" cy="0"/>
+        </a:xfrm>
+      </p:grpSpPr>
+      <p:sp>
+        <p:nvSpPr>
+          <p:cNvPr id="2" name="Title 1">
+            <a:extLst>
+              <a:ext uri="{FF2B5EF4-FFF2-40B4-BE49-F238E27FC236}">
+                <a16:creationId xmlns:a16="http://schemas.microsoft.com/office/drawing/2014/main" id="{937C38D5-CDC2-48F5-9388-D00C98D65DA8}"/>
+              </a:ext>
+            </a:extLst>
+          </p:cNvPr>
+          <p:cNvSpPr>
+            <a:spLocks noGrp="1"/>
+          </p:cNvSpPr>
+          <p:nvPr>
+            <p:ph type="title"/>
+          </p:nvPr>
+        </p:nvSpPr>
+        <p:spPr>
+          <a:xfrm>
+            <a:off x="600636" y="304799"/>
+            <a:ext cx="8928846" cy="887507"/>
+          </a:xfrm>
+        </p:spPr>
+        <p:txBody>
+          <a:bodyPr/>
+          <a:lstStyle/>
+          <a:p>
+            <a:r>
+              <a:rPr lang="en-US" b="1" dirty="0"/>
+              <a:t>Array VS ArrayList</a:t>
+            </a:r>
+          </a:p>
+        </p:txBody>
+      </p:sp>
+      <p:sp>
+        <p:nvSpPr>
+          <p:cNvPr id="3" name="Text Placeholder 2">
+            <a:extLst>
+              <a:ext uri="{FF2B5EF4-FFF2-40B4-BE49-F238E27FC236}">
+                <a16:creationId xmlns:a16="http://schemas.microsoft.com/office/drawing/2014/main" id="{0D6BA6D5-EAB3-6ACE-BAC5-8F2B24E010F7}"/>
+              </a:ext>
+            </a:extLst>
+          </p:cNvPr>
+          <p:cNvSpPr>
+            <a:spLocks noGrp="1"/>
+          </p:cNvSpPr>
+          <p:nvPr>
+            <p:ph type="body" idx="1"/>
+          </p:nvPr>
+        </p:nvSpPr>
+        <p:spPr>
+          <a:xfrm>
+            <a:off x="609599" y="1192305"/>
+            <a:ext cx="11268636" cy="5360895"/>
+          </a:xfrm>
+        </p:spPr>
+        <p:txBody>
+          <a:bodyPr/>
+          <a:lstStyle/>
+          <a:p>
+            <a:pPr marL="152396" indent="0">
+              <a:buNone/>
+            </a:pPr>
+            <a:r>
+              <a:rPr lang="en-US" sz="2400" b="1" dirty="0"/>
+              <a:t>Array:</a:t>
+            </a:r>
+          </a:p>
+          <a:p>
+            <a:pPr marL="152396" indent="0">
+              <a:buNone/>
+            </a:pPr>
+            <a:r>
+              <a:rPr lang="en-US" sz="2400" dirty="0"/>
+              <a:t>Fixed Length</a:t>
+            </a:r>
+          </a:p>
+          <a:p>
+            <a:pPr marL="152396" indent="0">
+              <a:buNone/>
+            </a:pPr>
+            <a:r>
+              <a:rPr lang="en-US" sz="2400" dirty="0"/>
+              <a:t>Cannot insert it into the middle</a:t>
+            </a:r>
+          </a:p>
+          <a:p>
+            <a:pPr marL="152396" indent="0">
+              <a:buNone/>
+            </a:pPr>
+            <a:r>
+              <a:rPr lang="en-US" sz="2400" dirty="0"/>
+              <a:t>Cannot delete from middle</a:t>
+            </a:r>
+          </a:p>
+          <a:p>
+            <a:pPr marL="152396" indent="0">
+              <a:buNone/>
+            </a:pPr>
+            <a:r>
+              <a:rPr lang="en-US" sz="2400" dirty="0"/>
+              <a:t>It is type-safe, so we can store only similar types of data based on the data type.</a:t>
+            </a:r>
+          </a:p>
+          <a:p>
+            <a:pPr marL="152396" indent="0">
+              <a:buNone/>
+            </a:pPr>
+            <a:r>
+              <a:rPr lang="en-US" sz="2400" dirty="0"/>
+              <a:t>Boxing and Unboxing are not required.</a:t>
+            </a:r>
+          </a:p>
+          <a:p>
+            <a:pPr marL="152396" indent="0">
+              <a:buNone/>
+            </a:pPr>
+            <a:r>
+              <a:rPr lang="en-US" sz="2400" b="1" dirty="0"/>
+              <a:t>ArrayList:</a:t>
+            </a:r>
+          </a:p>
+          <a:p>
+            <a:pPr marL="152396" indent="0">
+              <a:buNone/>
+            </a:pPr>
+            <a:r>
+              <a:rPr lang="en-US" sz="2400" dirty="0"/>
+              <a:t>Variable Length</a:t>
+            </a:r>
+          </a:p>
+          <a:p>
+            <a:pPr marL="152396" indent="0">
+              <a:buNone/>
+            </a:pPr>
+            <a:r>
+              <a:rPr lang="en-US" sz="2400" dirty="0"/>
+              <a:t>Can insert an element into the middle of the collection</a:t>
+            </a:r>
+          </a:p>
+          <a:p>
+            <a:pPr marL="152396" indent="0">
+              <a:buNone/>
+            </a:pPr>
+            <a:r>
+              <a:rPr lang="en-US" sz="2400" dirty="0"/>
+              <a:t>Can delete elements from the middle of the collection</a:t>
+            </a:r>
+          </a:p>
+          <a:p>
+            <a:pPr marL="152396" indent="0">
+              <a:buNone/>
+            </a:pPr>
+            <a:r>
+              <a:rPr lang="en-US" sz="2400" dirty="0"/>
+              <a:t>It is not type-safe, so we can store any type of data.</a:t>
+            </a:r>
+          </a:p>
+          <a:p>
+            <a:pPr marL="152396" indent="0">
+              <a:buNone/>
+            </a:pPr>
+            <a:r>
+              <a:rPr lang="en-US" sz="2400" dirty="0"/>
+              <a:t>Boxing and Unboxing are required as it is operated on the object data type.</a:t>
+            </a:r>
+          </a:p>
+          <a:p>
+            <a:pPr marL="152396" indent="0">
+              <a:buNone/>
+            </a:pPr>
+            <a:endParaRPr lang="en-US" sz="2000" dirty="0"/>
+          </a:p>
+          <a:p>
+            <a:pPr marL="152396" indent="0">
+              <a:buNone/>
+            </a:pPr>
+            <a:endParaRPr lang="en-US" sz="2000" dirty="0"/>
+          </a:p>
+        </p:txBody>
+      </p:sp>
+    </p:spTree>
+    <p:extLst>
+      <p:ext uri="{BB962C8B-B14F-4D97-AF65-F5344CB8AC3E}">
+        <p14:creationId xmlns:p14="http://schemas.microsoft.com/office/powerpoint/2010/main" val="3489126669"/>
+      </p:ext>
+    </p:extLst>
+  </p:cSld>
+  <p:clrMapOvr>
+    <a:masterClrMapping/>
+  </p:clrMapOvr>
+</p:sld>
+</file>
+
 <file path=ppt/slides/slide2.xml><?xml version="1.0" encoding="utf-8"?>
 <p:sld xmlns:a="http://schemas.openxmlformats.org/drawingml/2006/main" xmlns:r="http://schemas.openxmlformats.org/officeDocument/2006/relationships" xmlns:p="http://schemas.openxmlformats.org/presentationml/2006/main">
   <p:cSld>
@@ -27527,7 +28897,15 @@
           <a:p>
             <a:r>
               <a:rPr lang="en-US" dirty="0"/>
-              <a:t>ArrayList provides the Add() method which can be used to add elements to the arraylist.</a:t>
+              <a:t>ArrayList provides the Add() method which can be used to add elements to the </a:t>
+            </a:r>
+            <a:r>
+              <a:rPr lang="en-US" dirty="0" err="1"/>
+              <a:t>arraylist</a:t>
+            </a:r>
+            <a:r>
+              <a:rPr lang="en-US" dirty="0"/>
+              <a:t>.</a:t>
             </a:r>
           </a:p>
           <a:p>
@@ -28481,12 +29859,20 @@
             <p:ph type="title"/>
           </p:nvPr>
         </p:nvSpPr>
-        <p:spPr/>
+        <p:spPr>
+          <a:xfrm>
+            <a:off x="609600" y="807467"/>
+            <a:ext cx="10309412" cy="716533"/>
+          </a:xfrm>
+        </p:spPr>
         <p:txBody>
           <a:bodyPr/>
           <a:lstStyle/>
           <a:p>
-            <a:endParaRPr lang="en-US"/>
+            <a:r>
+              <a:rPr lang="en-US" dirty="0"/>
+              <a:t>How to Remove Elements from ArrayList</a:t>
+            </a:r>
           </a:p>
         </p:txBody>
       </p:sp>
@@ -28506,12 +29892,60 @@
             <p:ph type="body" idx="1"/>
           </p:nvPr>
         </p:nvSpPr>
-        <p:spPr/>
+        <p:spPr>
+          <a:xfrm>
+            <a:off x="609599" y="1461247"/>
+            <a:ext cx="11277601" cy="5145741"/>
+          </a:xfrm>
+        </p:spPr>
         <p:txBody>
           <a:bodyPr/>
           <a:lstStyle/>
           <a:p>
-            <a:endParaRPr lang="en-US"/>
+            <a:r>
+              <a:rPr lang="en-US" b="1" dirty="0"/>
+              <a:t>Remove(object? obj): </a:t>
+            </a:r>
+            <a:r>
+              <a:rPr lang="en-US" dirty="0"/>
+              <a:t>This method is used to remove the first occurrence of a specific object from the </a:t>
+            </a:r>
+            <a:r>
+              <a:rPr lang="en-US" dirty="0" err="1"/>
+              <a:t>System.Collections.ArrayList</a:t>
+            </a:r>
+            <a:r>
+              <a:rPr lang="en-US" dirty="0"/>
+              <a:t>. The parameter obj specifies the Object to remove from the ArrayList. The value can be null.</a:t>
+            </a:r>
+          </a:p>
+          <a:p>
+            <a:r>
+              <a:rPr lang="en-US" b="1" dirty="0" err="1"/>
+              <a:t>RemoveAt</a:t>
+            </a:r>
+            <a:r>
+              <a:rPr lang="en-US" b="1" dirty="0"/>
+              <a:t>(int index)</a:t>
+            </a:r>
+            <a:r>
+              <a:rPr lang="en-US" dirty="0"/>
+              <a:t>: This method is used to remove the element at the specified index of the ArrayList. The parameter index specifies the index position of the element to remove.</a:t>
+            </a:r>
+          </a:p>
+          <a:p>
+            <a:r>
+              <a:rPr lang="en-US" b="1" dirty="0" err="1"/>
+              <a:t>RemoveRange</a:t>
+            </a:r>
+            <a:r>
+              <a:rPr lang="en-US" b="1" dirty="0"/>
+              <a:t>(int index, int count): </a:t>
+            </a:r>
+            <a:r>
+              <a:rPr lang="en-US" dirty="0"/>
+              <a:t>This method is used to remove a range of elements from the ArrayList. The parameter index specifies the starting index position of the range of elements to remove and the parameter count specifies the number of elements to remove.</a:t>
+            </a:r>
           </a:p>
         </p:txBody>
       </p:sp>
